--- a/vwan/03-vwan-az-firewall/media/network-diagram.pptx
+++ b/vwan/03-vwan-az-firewall/media/network-diagram.pptx
@@ -11983,118 +11983,6 @@
           </a:p>
         </p:txBody>
       </p:sp>
-      <p:sp>
-        <p:nvSpPr>
-          <p:cNvPr id="24" name="TextBox 23">
-            <a:extLst>
-              <a:ext uri="{FF2B5EF4-FFF2-40B4-BE49-F238E27FC236}">
-                <a16:creationId xmlns:a16="http://schemas.microsoft.com/office/drawing/2014/main" id="{BB811CCE-9E97-4239-879B-6B383832AF58}"/>
-              </a:ext>
-            </a:extLst>
-          </p:cNvPr>
-          <p:cNvSpPr txBox="1"/>
-          <p:nvPr/>
-        </p:nvSpPr>
-        <p:spPr>
-          <a:xfrm>
-            <a:off x="4207427" y="3910832"/>
-            <a:ext cx="627096" cy="261610"/>
-          </a:xfrm>
-          <a:prstGeom prst="rect">
-            <a:avLst/>
-          </a:prstGeom>
-          <a:noFill/>
-        </p:spPr>
-        <p:txBody>
-          <a:bodyPr wrap="none" rtlCol="0">
-            <a:spAutoFit/>
-          </a:bodyPr>
-          <a:lstStyle>
-            <a:defPPr>
-              <a:defRPr lang="en-US"/>
-            </a:defPPr>
-            <a:lvl1pPr marR="0" algn="ctr">
-              <a:defRPr sz="1100">
-                <a:solidFill>
-                  <a:srgbClr val="000000"/>
-                </a:solidFill>
-                <a:latin typeface="Calibri" panose="020F0502020204030204" pitchFamily="34" charset="0"/>
-              </a:defRPr>
-            </a:lvl1pPr>
-          </a:lstStyle>
-          <a:p>
-            <a:r>
-              <a:rPr lang="en-US" dirty="0">
-                <a:solidFill>
-                  <a:srgbClr val="FF0000"/>
-                </a:solidFill>
-              </a:rPr>
-              <a:t>tunnel1</a:t>
-            </a:r>
-            <a:endParaRPr lang="en-GB" dirty="0">
-              <a:solidFill>
-                <a:srgbClr val="FF0000"/>
-              </a:solidFill>
-            </a:endParaRPr>
-          </a:p>
-        </p:txBody>
-      </p:sp>
-      <p:sp>
-        <p:nvSpPr>
-          <p:cNvPr id="25" name="TextBox 24">
-            <a:extLst>
-              <a:ext uri="{FF2B5EF4-FFF2-40B4-BE49-F238E27FC236}">
-                <a16:creationId xmlns:a16="http://schemas.microsoft.com/office/drawing/2014/main" id="{50AD89A5-DF91-4F81-B09B-72B3F24E158B}"/>
-              </a:ext>
-            </a:extLst>
-          </p:cNvPr>
-          <p:cNvSpPr txBox="1"/>
-          <p:nvPr/>
-        </p:nvSpPr>
-        <p:spPr>
-          <a:xfrm>
-            <a:off x="4964228" y="3900810"/>
-            <a:ext cx="627096" cy="261610"/>
-          </a:xfrm>
-          <a:prstGeom prst="rect">
-            <a:avLst/>
-          </a:prstGeom>
-          <a:noFill/>
-        </p:spPr>
-        <p:txBody>
-          <a:bodyPr wrap="none" rtlCol="0">
-            <a:spAutoFit/>
-          </a:bodyPr>
-          <a:lstStyle>
-            <a:defPPr>
-              <a:defRPr lang="en-US"/>
-            </a:defPPr>
-            <a:lvl1pPr marR="0" algn="ctr">
-              <a:defRPr sz="1100">
-                <a:solidFill>
-                  <a:srgbClr val="000000"/>
-                </a:solidFill>
-                <a:latin typeface="Calibri" panose="020F0502020204030204" pitchFamily="34" charset="0"/>
-              </a:defRPr>
-            </a:lvl1pPr>
-          </a:lstStyle>
-          <a:p>
-            <a:r>
-              <a:rPr lang="en-US" dirty="0">
-                <a:solidFill>
-                  <a:srgbClr val="FF0000"/>
-                </a:solidFill>
-              </a:rPr>
-              <a:t>tunnel2</a:t>
-            </a:r>
-            <a:endParaRPr lang="en-GB" dirty="0">
-              <a:solidFill>
-                <a:srgbClr val="FF0000"/>
-              </a:solidFill>
-            </a:endParaRPr>
-          </a:p>
-        </p:txBody>
-      </p:sp>
       <p:pic>
         <p:nvPicPr>
           <p:cNvPr id="26" name="Picture 25">
@@ -13490,7 +13378,7 @@
         </p:nvSpPr>
         <p:spPr>
           <a:xfrm>
-            <a:off x="7202824" y="3565969"/>
+            <a:off x="7245360" y="3653916"/>
             <a:ext cx="660757" cy="261610"/>
           </a:xfrm>
           <a:prstGeom prst="rect">
@@ -13532,118 +13420,6 @@
           </a:p>
         </p:txBody>
       </p:sp>
-      <p:sp>
-        <p:nvSpPr>
-          <p:cNvPr id="62" name="TextBox 61">
-            <a:extLst>
-              <a:ext uri="{FF2B5EF4-FFF2-40B4-BE49-F238E27FC236}">
-                <a16:creationId xmlns:a16="http://schemas.microsoft.com/office/drawing/2014/main" id="{8B1BF333-826C-419B-BFAD-734966A10F47}"/>
-              </a:ext>
-            </a:extLst>
-          </p:cNvPr>
-          <p:cNvSpPr txBox="1"/>
-          <p:nvPr/>
-        </p:nvSpPr>
-        <p:spPr>
-          <a:xfrm>
-            <a:off x="6473558" y="3925713"/>
-            <a:ext cx="627096" cy="261610"/>
-          </a:xfrm>
-          <a:prstGeom prst="rect">
-            <a:avLst/>
-          </a:prstGeom>
-          <a:noFill/>
-        </p:spPr>
-        <p:txBody>
-          <a:bodyPr wrap="none" rtlCol="0">
-            <a:spAutoFit/>
-          </a:bodyPr>
-          <a:lstStyle>
-            <a:defPPr>
-              <a:defRPr lang="en-US"/>
-            </a:defPPr>
-            <a:lvl1pPr marR="0" algn="ctr">
-              <a:defRPr sz="1100">
-                <a:solidFill>
-                  <a:srgbClr val="000000"/>
-                </a:solidFill>
-                <a:latin typeface="Calibri" panose="020F0502020204030204" pitchFamily="34" charset="0"/>
-              </a:defRPr>
-            </a:lvl1pPr>
-          </a:lstStyle>
-          <a:p>
-            <a:r>
-              <a:rPr lang="en-US" dirty="0">
-                <a:solidFill>
-                  <a:srgbClr val="FF0000"/>
-                </a:solidFill>
-              </a:rPr>
-              <a:t>tunnel1</a:t>
-            </a:r>
-            <a:endParaRPr lang="en-GB" dirty="0">
-              <a:solidFill>
-                <a:srgbClr val="FF0000"/>
-              </a:solidFill>
-            </a:endParaRPr>
-          </a:p>
-        </p:txBody>
-      </p:sp>
-      <p:sp>
-        <p:nvSpPr>
-          <p:cNvPr id="63" name="TextBox 62">
-            <a:extLst>
-              <a:ext uri="{FF2B5EF4-FFF2-40B4-BE49-F238E27FC236}">
-                <a16:creationId xmlns:a16="http://schemas.microsoft.com/office/drawing/2014/main" id="{6D65F38A-65D4-4823-B9DB-E03A0DF6B594}"/>
-              </a:ext>
-            </a:extLst>
-          </p:cNvPr>
-          <p:cNvSpPr txBox="1"/>
-          <p:nvPr/>
-        </p:nvSpPr>
-        <p:spPr>
-          <a:xfrm>
-            <a:off x="7182738" y="3911986"/>
-            <a:ext cx="627096" cy="261610"/>
-          </a:xfrm>
-          <a:prstGeom prst="rect">
-            <a:avLst/>
-          </a:prstGeom>
-          <a:noFill/>
-        </p:spPr>
-        <p:txBody>
-          <a:bodyPr wrap="none" rtlCol="0">
-            <a:spAutoFit/>
-          </a:bodyPr>
-          <a:lstStyle>
-            <a:defPPr>
-              <a:defRPr lang="en-US"/>
-            </a:defPPr>
-            <a:lvl1pPr marR="0" algn="ctr">
-              <a:defRPr sz="1100">
-                <a:solidFill>
-                  <a:srgbClr val="000000"/>
-                </a:solidFill>
-                <a:latin typeface="Calibri" panose="020F0502020204030204" pitchFamily="34" charset="0"/>
-              </a:defRPr>
-            </a:lvl1pPr>
-          </a:lstStyle>
-          <a:p>
-            <a:r>
-              <a:rPr lang="en-US" dirty="0">
-                <a:solidFill>
-                  <a:srgbClr val="FF0000"/>
-                </a:solidFill>
-              </a:rPr>
-              <a:t>tunnel2</a:t>
-            </a:r>
-            <a:endParaRPr lang="en-GB" dirty="0">
-              <a:solidFill>
-                <a:srgbClr val="FF0000"/>
-              </a:solidFill>
-            </a:endParaRPr>
-          </a:p>
-        </p:txBody>
-      </p:sp>
       <p:pic>
         <p:nvPicPr>
           <p:cNvPr id="64" name="Picture 63">
@@ -13696,7 +13472,7 @@
         </p:nvSpPr>
         <p:spPr>
           <a:xfrm>
-            <a:off x="7233106" y="3404005"/>
+            <a:off x="7242495" y="3457276"/>
             <a:ext cx="744114" cy="261610"/>
           </a:xfrm>
           <a:prstGeom prst="rect">
@@ -15219,6 +14995,138 @@
               <a:srgbClr val="FF0909"/>
             </a:solidFill>
             <a:headEnd type="none"/>
+            <a:tailEnd type="triangle"/>
+          </a:ln>
+        </p:spPr>
+        <p:style>
+          <a:lnRef idx="2">
+            <a:schemeClr val="accent1">
+              <a:shade val="50000"/>
+            </a:schemeClr>
+          </a:lnRef>
+          <a:fillRef idx="1">
+            <a:schemeClr val="accent1"/>
+          </a:fillRef>
+          <a:effectRef idx="0">
+            <a:schemeClr val="accent1"/>
+          </a:effectRef>
+          <a:fontRef idx="minor">
+            <a:schemeClr val="lt1"/>
+          </a:fontRef>
+        </p:style>
+        <p:txBody>
+          <a:bodyPr rtlCol="0" anchor="ctr"/>
+          <a:lstStyle/>
+          <a:p>
+            <a:pPr algn="ctr"/>
+            <a:endParaRPr lang="en-GB"/>
+          </a:p>
+        </p:txBody>
+      </p:sp>
+      <p:sp>
+        <p:nvSpPr>
+          <p:cNvPr id="2" name="Freeform: Shape 1">
+            <a:extLst>
+              <a:ext uri="{FF2B5EF4-FFF2-40B4-BE49-F238E27FC236}">
+                <a16:creationId xmlns:a16="http://schemas.microsoft.com/office/drawing/2014/main" id="{912035E3-F9EC-4C52-A9C5-1AE55648EF4A}"/>
+              </a:ext>
+            </a:extLst>
+          </p:cNvPr>
+          <p:cNvSpPr/>
+          <p:nvPr/>
+        </p:nvSpPr>
+        <p:spPr>
+          <a:xfrm>
+            <a:off x="4189908" y="3680459"/>
+            <a:ext cx="1003529" cy="1225581"/>
+          </a:xfrm>
+          <a:custGeom>
+            <a:avLst/>
+            <a:gdLst>
+              <a:gd name="connsiteX0" fmla="*/ 1003529 w 1003529"/>
+              <a:gd name="connsiteY0" fmla="*/ 1184504 h 1225581"/>
+              <a:gd name="connsiteX1" fmla="*/ 923630 w 1003529"/>
+              <a:gd name="connsiteY1" fmla="*/ 1193382 h 1225581"/>
+              <a:gd name="connsiteX2" fmla="*/ 568523 w 1003529"/>
+              <a:gd name="connsiteY2" fmla="*/ 1131238 h 1225581"/>
+              <a:gd name="connsiteX3" fmla="*/ 533012 w 1003529"/>
+              <a:gd name="connsiteY3" fmla="*/ 154694 h 1225581"/>
+              <a:gd name="connsiteX4" fmla="*/ 169028 w 1003529"/>
+              <a:gd name="connsiteY4" fmla="*/ 65918 h 1225581"/>
+              <a:gd name="connsiteX5" fmla="*/ 352 w 1003529"/>
+              <a:gd name="connsiteY5" fmla="*/ 793887 h 1225581"/>
+              <a:gd name="connsiteX6" fmla="*/ 133517 w 1003529"/>
+              <a:gd name="connsiteY6" fmla="*/ 1157871 h 1225581"/>
+            </a:gdLst>
+            <a:ahLst/>
+            <a:cxnLst>
+              <a:cxn ang="0">
+                <a:pos x="connsiteX0" y="connsiteY0"/>
+              </a:cxn>
+              <a:cxn ang="0">
+                <a:pos x="connsiteX1" y="connsiteY1"/>
+              </a:cxn>
+              <a:cxn ang="0">
+                <a:pos x="connsiteX2" y="connsiteY2"/>
+              </a:cxn>
+              <a:cxn ang="0">
+                <a:pos x="connsiteX3" y="connsiteY3"/>
+              </a:cxn>
+              <a:cxn ang="0">
+                <a:pos x="connsiteX4" y="connsiteY4"/>
+              </a:cxn>
+              <a:cxn ang="0">
+                <a:pos x="connsiteX5" y="connsiteY5"/>
+              </a:cxn>
+              <a:cxn ang="0">
+                <a:pos x="connsiteX6" y="connsiteY6"/>
+              </a:cxn>
+            </a:cxnLst>
+            <a:rect l="l" t="t" r="r" b="b"/>
+            <a:pathLst>
+              <a:path w="1003529" h="1225581">
+                <a:moveTo>
+                  <a:pt x="1003529" y="1184504"/>
+                </a:moveTo>
+                <a:cubicBezTo>
+                  <a:pt x="999830" y="1193382"/>
+                  <a:pt x="996131" y="1202260"/>
+                  <a:pt x="923630" y="1193382"/>
+                </a:cubicBezTo>
+                <a:cubicBezTo>
+                  <a:pt x="851129" y="1184504"/>
+                  <a:pt x="633626" y="1304353"/>
+                  <a:pt x="568523" y="1131238"/>
+                </a:cubicBezTo>
+                <a:cubicBezTo>
+                  <a:pt x="503420" y="958123"/>
+                  <a:pt x="599594" y="332247"/>
+                  <a:pt x="533012" y="154694"/>
+                </a:cubicBezTo>
+                <a:cubicBezTo>
+                  <a:pt x="466430" y="-22859"/>
+                  <a:pt x="257805" y="-40614"/>
+                  <a:pt x="169028" y="65918"/>
+                </a:cubicBezTo>
+                <a:cubicBezTo>
+                  <a:pt x="80251" y="172450"/>
+                  <a:pt x="6270" y="611895"/>
+                  <a:pt x="352" y="793887"/>
+                </a:cubicBezTo>
+                <a:cubicBezTo>
+                  <a:pt x="-5566" y="975879"/>
+                  <a:pt x="63975" y="1066875"/>
+                  <a:pt x="133517" y="1157871"/>
+                </a:cubicBezTo>
+              </a:path>
+            </a:pathLst>
+          </a:custGeom>
+          <a:noFill/>
+          <a:ln w="44450">
+            <a:solidFill>
+              <a:srgbClr val="00B000"/>
+            </a:solidFill>
+            <a:headEnd type="triangle"/>
             <a:tailEnd type="triangle"/>
           </a:ln>
         </p:spPr>

--- a/vwan/03-vwan-az-firewall/media/network-diagram.pptx
+++ b/vwan/03-vwan-az-firewall/media/network-diagram.pptx
@@ -15155,6 +15155,153 @@
           </a:p>
         </p:txBody>
       </p:sp>
+      <p:sp>
+        <p:nvSpPr>
+          <p:cNvPr id="3" name="TextBox 2">
+            <a:extLst>
+              <a:ext uri="{FF2B5EF4-FFF2-40B4-BE49-F238E27FC236}">
+                <a16:creationId xmlns:a16="http://schemas.microsoft.com/office/drawing/2014/main" id="{C8934AD0-A98A-407D-B350-1EF1E2A17018}"/>
+              </a:ext>
+            </a:extLst>
+          </p:cNvPr>
+          <p:cNvSpPr txBox="1"/>
+          <p:nvPr/>
+        </p:nvSpPr>
+        <p:spPr>
+          <a:xfrm>
+            <a:off x="6685212" y="3100193"/>
+            <a:ext cx="853119" cy="261610"/>
+          </a:xfrm>
+          <a:prstGeom prst="rect">
+            <a:avLst/>
+          </a:prstGeom>
+          <a:noFill/>
+        </p:spPr>
+        <p:txBody>
+          <a:bodyPr wrap="none" rtlCol="0">
+            <a:spAutoFit/>
+          </a:bodyPr>
+          <a:lstStyle/>
+          <a:p>
+            <a:pPr marR="0" algn="ctr" rtl="0"/>
+            <a:r>
+              <a:rPr lang="en-US" sz="1100" b="1" dirty="0">
+                <a:solidFill>
+                  <a:srgbClr val="FF66FF"/>
+                </a:solidFill>
+                <a:latin typeface="Calibri" panose="020F0502020204030204" pitchFamily="34" charset="0"/>
+              </a:rPr>
+              <a:t>ER</a:t>
+            </a:r>
+            <a:r>
+              <a:rPr lang="en-US" sz="1100" b="1" i="0" u="none" strike="noStrike" baseline="0" dirty="0">
+                <a:solidFill>
+                  <a:srgbClr val="FF66FF"/>
+                </a:solidFill>
+                <a:latin typeface="Calibri" panose="020F0502020204030204" pitchFamily="34" charset="0"/>
+              </a:rPr>
+              <a:t>-branch2</a:t>
+            </a:r>
+          </a:p>
+        </p:txBody>
+      </p:sp>
+      <p:sp>
+        <p:nvSpPr>
+          <p:cNvPr id="24" name="TextBox 23">
+            <a:extLst>
+              <a:ext uri="{FF2B5EF4-FFF2-40B4-BE49-F238E27FC236}">
+                <a16:creationId xmlns:a16="http://schemas.microsoft.com/office/drawing/2014/main" id="{3E345338-3048-4F47-BB0F-B5260E0F17F8}"/>
+              </a:ext>
+            </a:extLst>
+          </p:cNvPr>
+          <p:cNvSpPr txBox="1"/>
+          <p:nvPr/>
+        </p:nvSpPr>
+        <p:spPr>
+          <a:xfrm>
+            <a:off x="5479905" y="3441933"/>
+            <a:ext cx="1180131" cy="261610"/>
+          </a:xfrm>
+          <a:prstGeom prst="rect">
+            <a:avLst/>
+          </a:prstGeom>
+          <a:noFill/>
+        </p:spPr>
+        <p:txBody>
+          <a:bodyPr wrap="none" rtlCol="0">
+            <a:spAutoFit/>
+          </a:bodyPr>
+          <a:lstStyle/>
+          <a:p>
+            <a:pPr marR="0" algn="ctr" rtl="0"/>
+            <a:r>
+              <a:rPr lang="en-US" sz="1100" b="1" dirty="0">
+                <a:solidFill>
+                  <a:srgbClr val="E2AC00"/>
+                </a:solidFill>
+                <a:latin typeface="Calibri" panose="020F0502020204030204" pitchFamily="34" charset="0"/>
+              </a:rPr>
+              <a:t>branch1</a:t>
+            </a:r>
+            <a:r>
+              <a:rPr lang="en-US" sz="1100" b="1" i="0" u="none" strike="noStrike" baseline="0" dirty="0">
+                <a:solidFill>
+                  <a:srgbClr val="E2AC00"/>
+                </a:solidFill>
+                <a:latin typeface="Calibri" panose="020F0502020204030204" pitchFamily="34" charset="0"/>
+              </a:rPr>
+              <a:t>-branch2</a:t>
+            </a:r>
+          </a:p>
+        </p:txBody>
+      </p:sp>
+      <p:sp>
+        <p:nvSpPr>
+          <p:cNvPr id="25" name="TextBox 24">
+            <a:extLst>
+              <a:ext uri="{FF2B5EF4-FFF2-40B4-BE49-F238E27FC236}">
+                <a16:creationId xmlns:a16="http://schemas.microsoft.com/office/drawing/2014/main" id="{955B8810-359F-47B8-845E-6F92E150BFBB}"/>
+              </a:ext>
+            </a:extLst>
+          </p:cNvPr>
+          <p:cNvSpPr txBox="1"/>
+          <p:nvPr/>
+        </p:nvSpPr>
+        <p:spPr>
+          <a:xfrm>
+            <a:off x="3184579" y="3899666"/>
+            <a:ext cx="728084" cy="261610"/>
+          </a:xfrm>
+          <a:prstGeom prst="rect">
+            <a:avLst/>
+          </a:prstGeom>
+          <a:noFill/>
+        </p:spPr>
+        <p:txBody>
+          <a:bodyPr wrap="none" rtlCol="0">
+            <a:spAutoFit/>
+          </a:bodyPr>
+          <a:lstStyle/>
+          <a:p>
+            <a:pPr marR="0" algn="ctr" rtl="0"/>
+            <a:r>
+              <a:rPr lang="en-US" sz="1100" b="1" dirty="0">
+                <a:solidFill>
+                  <a:srgbClr val="006600"/>
+                </a:solidFill>
+                <a:latin typeface="Calibri" panose="020F0502020204030204" pitchFamily="34" charset="0"/>
+              </a:rPr>
+              <a:t>vnet1-ER</a:t>
+            </a:r>
+            <a:endParaRPr lang="en-US" sz="1100" b="1" i="0" u="none" strike="noStrike" baseline="0" dirty="0">
+              <a:solidFill>
+                <a:srgbClr val="006600"/>
+              </a:solidFill>
+              <a:latin typeface="Calibri" panose="020F0502020204030204" pitchFamily="34" charset="0"/>
+            </a:endParaRPr>
+          </a:p>
+        </p:txBody>
+      </p:sp>
     </p:spTree>
     <p:extLst>
       <p:ext uri="{BB962C8B-B14F-4D97-AF65-F5344CB8AC3E}">
